--- a/0PPT/UML工具——Rational Rose v0.1.pptx
+++ b/0PPT/UML工具——Rational Rose v0.1.pptx
@@ -5,7 +5,7 @@
     <p:sldMasterId id="2147483648" r:id="rId1"/>
   </p:sldMasterIdLst>
   <p:notesMasterIdLst>
-    <p:notesMasterId r:id="rId18"/>
+    <p:notesMasterId r:id="rId19"/>
   </p:notesMasterIdLst>
   <p:sldIdLst>
     <p:sldId id="256" r:id="rId2"/>
@@ -23,7 +23,8 @@
     <p:sldId id="277" r:id="rId14"/>
     <p:sldId id="278" r:id="rId15"/>
     <p:sldId id="280" r:id="rId16"/>
-    <p:sldId id="262" r:id="rId17"/>
+    <p:sldId id="285" r:id="rId17"/>
+    <p:sldId id="262" r:id="rId18"/>
   </p:sldIdLst>
   <p:sldSz cx="12192000" cy="6858000"/>
   <p:notesSz cx="6858000" cy="9144000"/>
@@ -322,7 +323,7 @@
           <a:p>
             <a:fld id="{89748F4D-4662-A34D-B806-C5F70AFB6997}" type="datetimeFigureOut">
               <a:rPr kumimoji="1" lang="zh-CN" altLang="en-US" smtClean="0"/>
-              <a:t>2017/11/5</a:t>
+              <a:t>2017/11/8</a:t>
             </a:fld>
             <a:endParaRPr kumimoji="1" lang="zh-CN" altLang="en-US"/>
           </a:p>
@@ -724,7 +725,7 @@
               <a:rPr lang="zh-CN" altLang="en-US" dirty="0">
                 <a:latin typeface="Calibri" panose="020F0502020204030204" pitchFamily="2" charset="0"/>
               </a:rPr>
-              <a:t>2017/11/5</a:t>
+              <a:t>2017/11/8</a:t>
             </a:fld>
             <a:endParaRPr lang="zh-CN" altLang="en-US" dirty="0">
               <a:latin typeface="Calibri" panose="020F0502020204030204" pitchFamily="2" charset="0"/>
@@ -902,7 +903,7 @@
               <a:rPr lang="zh-CN" altLang="en-US" dirty="0">
                 <a:latin typeface="Calibri" panose="020F0502020204030204" pitchFamily="2" charset="0"/>
               </a:rPr>
-              <a:t>2017/11/5</a:t>
+              <a:t>2017/11/8</a:t>
             </a:fld>
             <a:endParaRPr lang="zh-CN" altLang="en-US" dirty="0">
               <a:latin typeface="Calibri" panose="020F0502020204030204" pitchFamily="2" charset="0"/>
@@ -1090,7 +1091,7 @@
               <a:rPr lang="zh-CN" altLang="en-US" dirty="0">
                 <a:latin typeface="Calibri" panose="020F0502020204030204" pitchFamily="2" charset="0"/>
               </a:rPr>
-              <a:t>2017/11/5</a:t>
+              <a:t>2017/11/8</a:t>
             </a:fld>
             <a:endParaRPr lang="zh-CN" altLang="en-US" dirty="0">
               <a:latin typeface="Calibri" panose="020F0502020204030204" pitchFamily="2" charset="0"/>
@@ -1268,7 +1269,7 @@
               <a:rPr lang="zh-CN" altLang="en-US" dirty="0">
                 <a:latin typeface="Calibri" panose="020F0502020204030204" pitchFamily="2" charset="0"/>
               </a:rPr>
-              <a:t>2017/11/5</a:t>
+              <a:t>2017/11/8</a:t>
             </a:fld>
             <a:endParaRPr lang="zh-CN" altLang="en-US" dirty="0">
               <a:latin typeface="Calibri" panose="020F0502020204030204" pitchFamily="2" charset="0"/>
@@ -1522,7 +1523,7 @@
               <a:rPr lang="zh-CN" altLang="en-US" dirty="0">
                 <a:latin typeface="Calibri" panose="020F0502020204030204" pitchFamily="2" charset="0"/>
               </a:rPr>
-              <a:t>2017/11/5</a:t>
+              <a:t>2017/11/8</a:t>
             </a:fld>
             <a:endParaRPr lang="zh-CN" altLang="en-US" dirty="0">
               <a:latin typeface="Calibri" panose="020F0502020204030204" pitchFamily="2" charset="0"/>
@@ -1762,7 +1763,7 @@
               <a:rPr lang="zh-CN" altLang="en-US" dirty="0">
                 <a:latin typeface="Calibri" panose="020F0502020204030204" pitchFamily="2" charset="0"/>
               </a:rPr>
-              <a:t>2017/11/5</a:t>
+              <a:t>2017/11/8</a:t>
             </a:fld>
             <a:endParaRPr lang="zh-CN" altLang="en-US" dirty="0">
               <a:latin typeface="Calibri" panose="020F0502020204030204" pitchFamily="2" charset="0"/>
@@ -2137,7 +2138,7 @@
               <a:rPr lang="zh-CN" altLang="en-US" dirty="0">
                 <a:latin typeface="Calibri" panose="020F0502020204030204" pitchFamily="2" charset="0"/>
               </a:rPr>
-              <a:t>2017/11/5</a:t>
+              <a:t>2017/11/8</a:t>
             </a:fld>
             <a:endParaRPr lang="zh-CN" altLang="en-US" dirty="0">
               <a:latin typeface="Calibri" panose="020F0502020204030204" pitchFamily="2" charset="0"/>
@@ -2263,7 +2264,7 @@
               <a:rPr lang="zh-CN" altLang="en-US" dirty="0">
                 <a:latin typeface="Calibri" panose="020F0502020204030204" pitchFamily="2" charset="0"/>
               </a:rPr>
-              <a:t>2017/11/5</a:t>
+              <a:t>2017/11/8</a:t>
             </a:fld>
             <a:endParaRPr lang="zh-CN" altLang="en-US" dirty="0">
               <a:latin typeface="Calibri" panose="020F0502020204030204" pitchFamily="2" charset="0"/>
@@ -2366,7 +2367,7 @@
               <a:rPr lang="zh-CN" altLang="en-US" dirty="0">
                 <a:latin typeface="Calibri" panose="020F0502020204030204" pitchFamily="2" charset="0"/>
               </a:rPr>
-              <a:t>2017/11/5</a:t>
+              <a:t>2017/11/8</a:t>
             </a:fld>
             <a:endParaRPr lang="zh-CN" altLang="en-US" dirty="0">
               <a:latin typeface="Calibri" panose="020F0502020204030204" pitchFamily="2" charset="0"/>
@@ -2651,7 +2652,7 @@
               <a:rPr lang="zh-CN" altLang="en-US" dirty="0">
                 <a:latin typeface="Calibri" panose="020F0502020204030204" pitchFamily="2" charset="0"/>
               </a:rPr>
-              <a:t>2017/11/5</a:t>
+              <a:t>2017/11/8</a:t>
             </a:fld>
             <a:endParaRPr lang="zh-CN" altLang="en-US" dirty="0">
               <a:latin typeface="Calibri" panose="020F0502020204030204" pitchFamily="2" charset="0"/>
@@ -2912,7 +2913,7 @@
               <a:rPr lang="zh-CN" altLang="en-US" dirty="0">
                 <a:latin typeface="Calibri" panose="020F0502020204030204" pitchFamily="2" charset="0"/>
               </a:rPr>
-              <a:t>2017/11/5</a:t>
+              <a:t>2017/11/8</a:t>
             </a:fld>
             <a:endParaRPr lang="zh-CN" altLang="en-US" dirty="0">
               <a:latin typeface="Calibri" panose="020F0502020204030204" pitchFamily="2" charset="0"/>
@@ -3143,7 +3144,7 @@
               <a:rPr lang="zh-CN" altLang="en-US" dirty="0">
                 <a:latin typeface="Calibri" panose="020F0502020204030204" pitchFamily="2" charset="0"/>
               </a:rPr>
-              <a:t>2017/11/5</a:t>
+              <a:t>2017/11/8</a:t>
             </a:fld>
             <a:endParaRPr lang="zh-CN" altLang="en-US" dirty="0">
               <a:latin typeface="Calibri" panose="020F0502020204030204" pitchFamily="2" charset="0"/>
@@ -5857,92 +5858,79 @@
                   <a:srgbClr val="FFFFFF"/>
                 </a:solidFill>
               </a:rPr>
+              <a:t>—petal</a:t>
+            </a:r>
+            <a:r>
+              <a:rPr lang="zh-CN" altLang="en-US" sz="2000" b="1" dirty="0" smtClean="0">
+                <a:solidFill>
+                  <a:srgbClr val="FFFFFF"/>
+                </a:solidFill>
+              </a:rPr>
+              <a:t>（</a:t>
+            </a:r>
+            <a:r>
+              <a:rPr lang="en-US" altLang="zh-CN" sz="2000" b="1" dirty="0" smtClean="0">
+                <a:solidFill>
+                  <a:srgbClr val="FFFFFF"/>
+                </a:solidFill>
+              </a:rPr>
+              <a:t>.</a:t>
+            </a:r>
+            <a:r>
+              <a:rPr lang="en-US" altLang="zh-CN" sz="2000" b="1" dirty="0" err="1" smtClean="0">
+                <a:solidFill>
+                  <a:srgbClr val="FFFFFF"/>
+                </a:solidFill>
+              </a:rPr>
+              <a:t>ptl</a:t>
+            </a:r>
+            <a:r>
+              <a:rPr lang="en-US" altLang="zh-CN" sz="2000" b="1" dirty="0" smtClean="0">
+                <a:solidFill>
+                  <a:srgbClr val="FFFFFF"/>
+                </a:solidFill>
+              </a:rPr>
+              <a:t>)</a:t>
+            </a:r>
+          </a:p>
+          <a:p>
+            <a:pPr eaLnBrk="1" hangingPunct="1">
+              <a:lnSpc>
+                <a:spcPct val="120000"/>
+              </a:lnSpc>
+            </a:pPr>
+            <a:r>
+              <a:rPr lang="zh-CN" altLang="en-US" sz="2000" b="1" dirty="0" smtClean="0">
+                <a:solidFill>
+                  <a:srgbClr val="FFFFFF"/>
+                </a:solidFill>
+              </a:rPr>
+              <a:t>     </a:t>
+            </a:r>
+            <a:r>
+              <a:rPr lang="en-US" altLang="zh-CN" sz="2000" b="1" dirty="0" smtClean="0">
+                <a:solidFill>
+                  <a:srgbClr val="FFFFFF"/>
+                </a:solidFill>
+              </a:rPr>
               <a:t>—</a:t>
             </a:r>
             <a:r>
+              <a:rPr lang="zh-CN" altLang="en-US" sz="2000" b="1" dirty="0" smtClean="0">
+                <a:solidFill>
+                  <a:srgbClr val="FFFFFF"/>
+                </a:solidFill>
+              </a:rPr>
+              <a:t>类别</a:t>
+            </a:r>
+            <a:r>
               <a:rPr lang="en-US" altLang="zh-CN" sz="2000" b="1" dirty="0" smtClean="0">
                 <a:solidFill>
                   <a:srgbClr val="FFFFFF"/>
                 </a:solidFill>
               </a:rPr>
-              <a:t>petal</a:t>
-            </a:r>
-            <a:r>
-              <a:rPr lang="zh-CN" altLang="en-US" sz="2000" b="1" dirty="0" smtClean="0">
-                <a:solidFill>
-                  <a:srgbClr val="FFFFFF"/>
-                </a:solidFill>
-              </a:rPr>
-              <a:t>（</a:t>
-            </a:r>
-            <a:r>
-              <a:rPr lang="en-US" altLang="zh-CN" sz="2000" b="1" dirty="0" smtClean="0">
-                <a:solidFill>
-                  <a:srgbClr val="FFFFFF"/>
-                </a:solidFill>
-              </a:rPr>
-              <a:t>.</a:t>
-            </a:r>
-            <a:r>
-              <a:rPr lang="en-US" altLang="zh-CN" sz="2000" b="1" dirty="0" err="1" smtClean="0">
-                <a:solidFill>
-                  <a:srgbClr val="FFFFFF"/>
-                </a:solidFill>
-              </a:rPr>
-              <a:t>ptl</a:t>
-            </a:r>
-            <a:r>
-              <a:rPr lang="en-US" altLang="zh-CN" sz="2000" b="1" dirty="0" smtClean="0">
-                <a:solidFill>
-                  <a:srgbClr val="FFFFFF"/>
-                </a:solidFill>
-              </a:rPr>
-              <a:t>)</a:t>
-            </a:r>
-          </a:p>
-          <a:p>
-            <a:pPr eaLnBrk="1" hangingPunct="1">
-              <a:lnSpc>
-                <a:spcPct val="120000"/>
-              </a:lnSpc>
-            </a:pPr>
-            <a:r>
-              <a:rPr lang="zh-CN" altLang="en-US" sz="2000" b="1" dirty="0" smtClean="0">
-                <a:solidFill>
-                  <a:srgbClr val="FFFFFF"/>
-                </a:solidFill>
-              </a:rPr>
-              <a:t>     </a:t>
-            </a:r>
-            <a:r>
-              <a:rPr lang="en-US" altLang="zh-CN" sz="2000" b="1" dirty="0" smtClean="0">
-                <a:solidFill>
-                  <a:srgbClr val="FFFFFF"/>
-                </a:solidFill>
-              </a:rPr>
-              <a:t>—</a:t>
-            </a:r>
-            <a:r>
-              <a:rPr lang="zh-CN" altLang="en-US" sz="2000" b="1" dirty="0" smtClean="0">
-                <a:solidFill>
-                  <a:srgbClr val="FFFFFF"/>
-                </a:solidFill>
-              </a:rPr>
-              <a:t>类别</a:t>
-            </a:r>
-            <a:r>
-              <a:rPr lang="en-US" altLang="zh-CN" sz="2000" b="1" dirty="0" smtClean="0">
-                <a:solidFill>
-                  <a:srgbClr val="FFFFFF"/>
-                </a:solidFill>
-              </a:rPr>
               <a:t>(.cat)</a:t>
             </a:r>
-            <a:endParaRPr lang="en-US" altLang="zh-CN" sz="2000" b="1" dirty="0" smtClean="0">
-              <a:solidFill>
-                <a:srgbClr val="FFFFFF"/>
-              </a:solidFill>
-            </a:endParaRPr>
           </a:p>
           <a:p>
             <a:pPr eaLnBrk="1" hangingPunct="1">
@@ -7277,11 +7265,6 @@
               </a:rPr>
               <a:t>日志：用于查看错误信息和报告各个命令的结果</a:t>
             </a:r>
-            <a:endParaRPr lang="zh-CN" altLang="en-US" sz="2800" b="1" dirty="0">
-              <a:solidFill>
-                <a:srgbClr val="FFFFFF"/>
-              </a:solidFill>
-            </a:endParaRPr>
           </a:p>
         </p:txBody>
       </p:sp>
@@ -7306,6 +7289,572 @@
 </file>
 
 <file path=ppt/slides/slide16.xml><?xml version="1.0" encoding="utf-8"?>
+<p:sld xmlns:a="http://schemas.openxmlformats.org/drawingml/2006/main" xmlns:r="http://schemas.openxmlformats.org/officeDocument/2006/relationships" xmlns:p="http://schemas.openxmlformats.org/presentationml/2006/main">
+  <p:cSld>
+    <p:spTree>
+      <p:nvGrpSpPr>
+        <p:cNvPr id="1" name=""/>
+        <p:cNvGrpSpPr/>
+        <p:nvPr/>
+      </p:nvGrpSpPr>
+      <p:grpSpPr>
+        <a:xfrm>
+          <a:off x="0" y="0"/>
+          <a:ext cx="0" cy="0"/>
+          <a:chOff x="0" y="0"/>
+          <a:chExt cx="0" cy="0"/>
+        </a:xfrm>
+      </p:grpSpPr>
+      <p:cxnSp>
+        <p:nvCxnSpPr>
+          <p:cNvPr id="5122" name="直接连接符 16"/>
+          <p:cNvCxnSpPr/>
+          <p:nvPr/>
+        </p:nvCxnSpPr>
+        <p:spPr>
+          <a:xfrm flipV="1">
+            <a:off x="1799590" y="1409700"/>
+            <a:ext cx="8592820" cy="17780"/>
+          </a:xfrm>
+          <a:prstGeom prst="line">
+            <a:avLst/>
+          </a:prstGeom>
+          <a:ln w="12700" cap="flat" cmpd="sng">
+            <a:solidFill>
+              <a:srgbClr val="FFC000"/>
+            </a:solidFill>
+            <a:prstDash val="solid"/>
+            <a:headEnd type="none" w="med" len="med"/>
+            <a:tailEnd type="none" w="med" len="med"/>
+          </a:ln>
+        </p:spPr>
+      </p:cxnSp>
+      <p:sp>
+        <p:nvSpPr>
+          <p:cNvPr id="5123" name="文本框 18"/>
+          <p:cNvSpPr txBox="1"/>
+          <p:nvPr/>
+        </p:nvSpPr>
+        <p:spPr>
+          <a:xfrm>
+            <a:off x="1694180" y="771525"/>
+            <a:ext cx="8803005" cy="584775"/>
+          </a:xfrm>
+          <a:prstGeom prst="rect">
+            <a:avLst/>
+          </a:prstGeom>
+          <a:noFill/>
+          <a:ln w="9525">
+            <a:noFill/>
+          </a:ln>
+        </p:spPr>
+        <p:txBody>
+          <a:bodyPr wrap="square">
+            <a:spAutoFit/>
+          </a:bodyPr>
+          <a:lstStyle>
+            <a:lvl1pPr marL="228600" lvl="0" indent="-228600" algn="l" defTabSz="914400" eaLnBrk="0" fontAlgn="base" latinLnBrk="0" hangingPunct="0">
+              <a:lnSpc>
+                <a:spcPct val="90000"/>
+              </a:lnSpc>
+              <a:spcBef>
+                <a:spcPts val="1000"/>
+              </a:spcBef>
+              <a:spcAft>
+                <a:spcPct val="0"/>
+              </a:spcAft>
+              <a:buFont typeface="Arial" panose="020B0604020202020204" pitchFamily="34" charset="0"/>
+              <a:buChar char="•"/>
+              <a:defRPr sz="2800" u="none" kern="1200" baseline="0">
+                <a:solidFill>
+                  <a:schemeClr val="tx1"/>
+                </a:solidFill>
+                <a:latin typeface="Calibri" panose="020F0502020204030204" pitchFamily="2" charset="0"/>
+                <a:ea typeface="宋体" panose="02010600030101010101" pitchFamily="2" charset="-122"/>
+              </a:defRPr>
+            </a:lvl1pPr>
+            <a:lvl2pPr marL="685800" lvl="1" indent="-228600" algn="l" defTabSz="914400" eaLnBrk="0" fontAlgn="base" latinLnBrk="0" hangingPunct="0">
+              <a:lnSpc>
+                <a:spcPct val="90000"/>
+              </a:lnSpc>
+              <a:spcBef>
+                <a:spcPts val="500"/>
+              </a:spcBef>
+              <a:spcAft>
+                <a:spcPct val="0"/>
+              </a:spcAft>
+              <a:buFont typeface="Arial" panose="020B0604020202020204" pitchFamily="34" charset="0"/>
+              <a:buChar char="•"/>
+              <a:defRPr sz="2400" u="none" kern="1200" baseline="0">
+                <a:solidFill>
+                  <a:schemeClr val="tx1"/>
+                </a:solidFill>
+                <a:latin typeface="Calibri" panose="020F0502020204030204" pitchFamily="2" charset="0"/>
+                <a:ea typeface="宋体" panose="02010600030101010101" pitchFamily="2" charset="-122"/>
+              </a:defRPr>
+            </a:lvl2pPr>
+            <a:lvl3pPr marL="1143000" lvl="2" indent="-228600" algn="l" defTabSz="914400" eaLnBrk="0" fontAlgn="base" latinLnBrk="0" hangingPunct="0">
+              <a:lnSpc>
+                <a:spcPct val="90000"/>
+              </a:lnSpc>
+              <a:spcBef>
+                <a:spcPts val="500"/>
+              </a:spcBef>
+              <a:spcAft>
+                <a:spcPct val="0"/>
+              </a:spcAft>
+              <a:buFont typeface="Arial" panose="020B0604020202020204" pitchFamily="34" charset="0"/>
+              <a:buChar char="•"/>
+              <a:defRPr sz="2000" u="none" kern="1200" baseline="0">
+                <a:solidFill>
+                  <a:schemeClr val="tx1"/>
+                </a:solidFill>
+                <a:latin typeface="Calibri" panose="020F0502020204030204" pitchFamily="2" charset="0"/>
+                <a:ea typeface="宋体" panose="02010600030101010101" pitchFamily="2" charset="-122"/>
+              </a:defRPr>
+            </a:lvl3pPr>
+            <a:lvl4pPr marL="1600200" lvl="3" indent="-228600" algn="l" defTabSz="914400" eaLnBrk="0" fontAlgn="base" latinLnBrk="0" hangingPunct="0">
+              <a:lnSpc>
+                <a:spcPct val="90000"/>
+              </a:lnSpc>
+              <a:spcBef>
+                <a:spcPts val="500"/>
+              </a:spcBef>
+              <a:spcAft>
+                <a:spcPct val="0"/>
+              </a:spcAft>
+              <a:buFont typeface="Arial" panose="020B0604020202020204" pitchFamily="34" charset="0"/>
+              <a:buChar char="•"/>
+              <a:defRPr sz="1800" u="none" kern="1200" baseline="0">
+                <a:solidFill>
+                  <a:schemeClr val="tx1"/>
+                </a:solidFill>
+                <a:latin typeface="Calibri" panose="020F0502020204030204" pitchFamily="2" charset="0"/>
+                <a:ea typeface="宋体" panose="02010600030101010101" pitchFamily="2" charset="-122"/>
+              </a:defRPr>
+            </a:lvl4pPr>
+            <a:lvl5pPr marL="2057400" lvl="4" indent="-228600" algn="l" defTabSz="914400" eaLnBrk="0" fontAlgn="base" latinLnBrk="0" hangingPunct="0">
+              <a:lnSpc>
+                <a:spcPct val="90000"/>
+              </a:lnSpc>
+              <a:spcBef>
+                <a:spcPts val="500"/>
+              </a:spcBef>
+              <a:spcAft>
+                <a:spcPct val="0"/>
+              </a:spcAft>
+              <a:buFont typeface="Arial" panose="020B0604020202020204" pitchFamily="34" charset="0"/>
+              <a:buChar char="•"/>
+              <a:defRPr sz="1800" u="none" kern="1200" baseline="0">
+                <a:solidFill>
+                  <a:schemeClr val="tx1"/>
+                </a:solidFill>
+                <a:latin typeface="Calibri" panose="020F0502020204030204" pitchFamily="2" charset="0"/>
+                <a:ea typeface="宋体" panose="02010600030101010101" pitchFamily="2" charset="-122"/>
+              </a:defRPr>
+            </a:lvl5pPr>
+          </a:lstStyle>
+          <a:p>
+            <a:pPr marL="0" lvl="0" indent="0" algn="ctr" eaLnBrk="1" hangingPunct="1">
+              <a:lnSpc>
+                <a:spcPct val="100000"/>
+              </a:lnSpc>
+              <a:spcBef>
+                <a:spcPct val="0"/>
+              </a:spcBef>
+              <a:buNone/>
+            </a:pPr>
+            <a:r>
+              <a:rPr lang="zh-CN" altLang="en-US" sz="3200" dirty="0" smtClean="0">
+                <a:solidFill>
+                  <a:schemeClr val="bg1"/>
+                </a:solidFill>
+              </a:rPr>
+              <a:t>分工与绩效评定</a:t>
+            </a:r>
+            <a:endParaRPr lang="zh-CN" altLang="en-US" sz="3200" dirty="0">
+              <a:solidFill>
+                <a:schemeClr val="bg1"/>
+              </a:solidFill>
+            </a:endParaRPr>
+          </a:p>
+        </p:txBody>
+      </p:sp>
+      <p:sp>
+        <p:nvSpPr>
+          <p:cNvPr id="2" name="矩形 1"/>
+          <p:cNvSpPr/>
+          <p:nvPr/>
+        </p:nvSpPr>
+        <p:spPr>
+          <a:xfrm>
+            <a:off x="2362200" y="1900238"/>
+            <a:ext cx="10153650" cy="3194721"/>
+          </a:xfrm>
+          <a:prstGeom prst="rect">
+            <a:avLst/>
+          </a:prstGeom>
+        </p:spPr>
+        <p:txBody>
+          <a:bodyPr wrap="square">
+            <a:spAutoFit/>
+          </a:bodyPr>
+          <a:lstStyle/>
+          <a:p>
+            <a:pPr eaLnBrk="1" hangingPunct="1">
+              <a:lnSpc>
+                <a:spcPct val="120000"/>
+              </a:lnSpc>
+            </a:pPr>
+            <a:r>
+              <a:rPr lang="zh-CN" altLang="en-US" sz="2800" b="1" dirty="0" smtClean="0">
+                <a:solidFill>
+                  <a:srgbClr val="FFFFFF"/>
+                </a:solidFill>
+              </a:rPr>
+              <a:t>葛倍良</a:t>
+            </a:r>
+            <a:r>
+              <a:rPr lang="en-US" altLang="zh-CN" sz="2800" b="1" dirty="0" smtClean="0">
+                <a:solidFill>
+                  <a:srgbClr val="FFFFFF"/>
+                </a:solidFill>
+              </a:rPr>
+              <a:t>(90):</a:t>
+            </a:r>
+            <a:r>
+              <a:rPr lang="zh-CN" altLang="en-US" sz="2800" b="1" dirty="0" smtClean="0">
+                <a:solidFill>
+                  <a:srgbClr val="FFFFFF"/>
+                </a:solidFill>
+              </a:rPr>
+              <a:t>学习使用</a:t>
+            </a:r>
+            <a:r>
+              <a:rPr lang="en-US" altLang="zh-CN" sz="2800" b="1" dirty="0" smtClean="0">
+                <a:solidFill>
+                  <a:srgbClr val="FFFFFF"/>
+                </a:solidFill>
+              </a:rPr>
+              <a:t>Rational</a:t>
+            </a:r>
+            <a:r>
+              <a:rPr lang="zh-CN" altLang="en-US" sz="2800" b="1" dirty="0" smtClean="0">
+                <a:solidFill>
+                  <a:srgbClr val="FFFFFF"/>
+                </a:solidFill>
+              </a:rPr>
+              <a:t> </a:t>
+            </a:r>
+            <a:r>
+              <a:rPr lang="en-US" altLang="zh-CN" sz="2800" b="1" dirty="0" smtClean="0">
+                <a:solidFill>
+                  <a:srgbClr val="FFFFFF"/>
+                </a:solidFill>
+              </a:rPr>
+              <a:t>Rose</a:t>
+            </a:r>
+          </a:p>
+          <a:p>
+            <a:pPr eaLnBrk="1" hangingPunct="1">
+              <a:lnSpc>
+                <a:spcPct val="120000"/>
+              </a:lnSpc>
+            </a:pPr>
+            <a:r>
+              <a:rPr lang="zh-CN" altLang="en-US" sz="2800" b="1" dirty="0" smtClean="0">
+                <a:solidFill>
+                  <a:srgbClr val="FFFFFF"/>
+                </a:solidFill>
+              </a:rPr>
+              <a:t>黄鹏羽</a:t>
+            </a:r>
+            <a:r>
+              <a:rPr lang="en-US" altLang="zh-CN" sz="2800" b="1" dirty="0" smtClean="0">
+                <a:solidFill>
+                  <a:srgbClr val="FFFFFF"/>
+                </a:solidFill>
+              </a:rPr>
+              <a:t>(90</a:t>
+            </a:r>
+            <a:r>
+              <a:rPr lang="en-US" altLang="zh-CN" sz="2800" b="1" dirty="0">
+                <a:solidFill>
+                  <a:srgbClr val="FFFFFF"/>
+                </a:solidFill>
+              </a:rPr>
+              <a:t>):</a:t>
+            </a:r>
+            <a:r>
+              <a:rPr lang="zh-CN" altLang="en-US" sz="2800" b="1" dirty="0">
+                <a:solidFill>
+                  <a:srgbClr val="FFFFFF"/>
+                </a:solidFill>
+              </a:rPr>
+              <a:t>学习使用</a:t>
+            </a:r>
+            <a:r>
+              <a:rPr lang="en-US" altLang="zh-CN" sz="2800" b="1" dirty="0">
+                <a:solidFill>
+                  <a:srgbClr val="FFFFFF"/>
+                </a:solidFill>
+              </a:rPr>
+              <a:t>Rational</a:t>
+            </a:r>
+            <a:r>
+              <a:rPr lang="zh-CN" altLang="en-US" sz="2800" b="1" dirty="0">
+                <a:solidFill>
+                  <a:srgbClr val="FFFFFF"/>
+                </a:solidFill>
+              </a:rPr>
+              <a:t> </a:t>
+            </a:r>
+            <a:r>
+              <a:rPr lang="en-US" altLang="zh-CN" sz="2800" b="1" dirty="0">
+                <a:solidFill>
+                  <a:srgbClr val="FFFFFF"/>
+                </a:solidFill>
+              </a:rPr>
+              <a:t>Rose</a:t>
+            </a:r>
+          </a:p>
+          <a:p>
+            <a:pPr eaLnBrk="1" hangingPunct="1">
+              <a:lnSpc>
+                <a:spcPct val="120000"/>
+              </a:lnSpc>
+            </a:pPr>
+            <a:r>
+              <a:rPr lang="zh-CN" altLang="en-US" sz="2800" b="1" dirty="0" smtClean="0">
+                <a:solidFill>
+                  <a:srgbClr val="FFFFFF"/>
+                </a:solidFill>
+              </a:rPr>
+              <a:t>金浩楠</a:t>
+            </a:r>
+            <a:r>
+              <a:rPr lang="en-US" altLang="zh-CN" sz="2800" b="1" dirty="0" smtClean="0">
+                <a:solidFill>
+                  <a:srgbClr val="FFFFFF"/>
+                </a:solidFill>
+              </a:rPr>
+              <a:t>(90</a:t>
+            </a:r>
+            <a:r>
+              <a:rPr lang="en-US" altLang="zh-CN" sz="2800" b="1" dirty="0">
+                <a:solidFill>
+                  <a:srgbClr val="FFFFFF"/>
+                </a:solidFill>
+              </a:rPr>
+              <a:t>):</a:t>
+            </a:r>
+            <a:r>
+              <a:rPr lang="zh-CN" altLang="en-US" sz="2800" b="1" dirty="0">
+                <a:solidFill>
+                  <a:srgbClr val="FFFFFF"/>
+                </a:solidFill>
+              </a:rPr>
+              <a:t>学习使用</a:t>
+            </a:r>
+            <a:r>
+              <a:rPr lang="en-US" altLang="zh-CN" sz="2800" b="1" dirty="0">
+                <a:solidFill>
+                  <a:srgbClr val="FFFFFF"/>
+                </a:solidFill>
+              </a:rPr>
+              <a:t>Rational</a:t>
+            </a:r>
+            <a:r>
+              <a:rPr lang="zh-CN" altLang="en-US" sz="2800" b="1" dirty="0">
+                <a:solidFill>
+                  <a:srgbClr val="FFFFFF"/>
+                </a:solidFill>
+              </a:rPr>
+              <a:t> </a:t>
+            </a:r>
+            <a:r>
+              <a:rPr lang="en-US" altLang="zh-CN" sz="2800" b="1" dirty="0">
+                <a:solidFill>
+                  <a:srgbClr val="FFFFFF"/>
+                </a:solidFill>
+              </a:rPr>
+              <a:t>Rose</a:t>
+            </a:r>
+          </a:p>
+          <a:p>
+            <a:pPr eaLnBrk="1" hangingPunct="1">
+              <a:lnSpc>
+                <a:spcPct val="120000"/>
+              </a:lnSpc>
+            </a:pPr>
+            <a:r>
+              <a:rPr lang="zh-CN" altLang="en-US" sz="2800" b="1" dirty="0" smtClean="0">
+                <a:solidFill>
+                  <a:srgbClr val="FFFFFF"/>
+                </a:solidFill>
+              </a:rPr>
+              <a:t>周雨璐</a:t>
+            </a:r>
+            <a:r>
+              <a:rPr lang="en-US" altLang="zh-CN" sz="2800" b="1" dirty="0" smtClean="0">
+                <a:solidFill>
+                  <a:srgbClr val="FFFFFF"/>
+                </a:solidFill>
+              </a:rPr>
+              <a:t>(90</a:t>
+            </a:r>
+            <a:r>
+              <a:rPr lang="en-US" altLang="zh-CN" sz="2800" b="1" dirty="0">
+                <a:solidFill>
+                  <a:srgbClr val="FFFFFF"/>
+                </a:solidFill>
+              </a:rPr>
+              <a:t>):</a:t>
+            </a:r>
+            <a:r>
+              <a:rPr lang="zh-CN" altLang="en-US" sz="2800" b="1" dirty="0">
+                <a:solidFill>
+                  <a:srgbClr val="FFFFFF"/>
+                </a:solidFill>
+              </a:rPr>
+              <a:t>学习使用</a:t>
+            </a:r>
+            <a:r>
+              <a:rPr lang="en-US" altLang="zh-CN" sz="2800" b="1" dirty="0">
+                <a:solidFill>
+                  <a:srgbClr val="FFFFFF"/>
+                </a:solidFill>
+              </a:rPr>
+              <a:t>Rational</a:t>
+            </a:r>
+            <a:r>
+              <a:rPr lang="zh-CN" altLang="en-US" sz="2800" b="1" dirty="0">
+                <a:solidFill>
+                  <a:srgbClr val="FFFFFF"/>
+                </a:solidFill>
+              </a:rPr>
+              <a:t> </a:t>
+            </a:r>
+            <a:r>
+              <a:rPr lang="en-US" altLang="zh-CN" sz="2800" b="1" dirty="0">
+                <a:solidFill>
+                  <a:srgbClr val="FFFFFF"/>
+                </a:solidFill>
+              </a:rPr>
+              <a:t>Rose</a:t>
+            </a:r>
+          </a:p>
+          <a:p>
+            <a:pPr eaLnBrk="1" hangingPunct="1">
+              <a:lnSpc>
+                <a:spcPct val="120000"/>
+              </a:lnSpc>
+            </a:pPr>
+            <a:r>
+              <a:rPr lang="zh-CN" altLang="en-US" sz="2800" b="1" dirty="0" smtClean="0">
+                <a:solidFill>
+                  <a:srgbClr val="FFFFFF"/>
+                </a:solidFill>
+              </a:rPr>
+              <a:t>余倩</a:t>
+            </a:r>
+            <a:r>
+              <a:rPr lang="en-US" altLang="zh-CN" sz="2800" b="1" dirty="0" smtClean="0">
+                <a:solidFill>
+                  <a:srgbClr val="FFFFFF"/>
+                </a:solidFill>
+              </a:rPr>
+              <a:t>(93):</a:t>
+            </a:r>
+            <a:r>
+              <a:rPr lang="zh-CN" altLang="en-US" sz="2800" b="1" dirty="0">
+                <a:solidFill>
+                  <a:srgbClr val="FFFFFF"/>
+                </a:solidFill>
+              </a:rPr>
+              <a:t>学习使用</a:t>
+            </a:r>
+            <a:r>
+              <a:rPr lang="en-US" altLang="zh-CN" sz="2800" b="1" dirty="0">
+                <a:solidFill>
+                  <a:srgbClr val="FFFFFF"/>
+                </a:solidFill>
+              </a:rPr>
+              <a:t>Rational</a:t>
+            </a:r>
+            <a:r>
+              <a:rPr lang="zh-CN" altLang="en-US" sz="2800" b="1" dirty="0">
+                <a:solidFill>
+                  <a:srgbClr val="FFFFFF"/>
+                </a:solidFill>
+              </a:rPr>
+              <a:t> </a:t>
+            </a:r>
+            <a:r>
+              <a:rPr lang="en-US" altLang="zh-CN" sz="2800" b="1" dirty="0" smtClean="0">
+                <a:solidFill>
+                  <a:srgbClr val="FFFFFF"/>
+                </a:solidFill>
+              </a:rPr>
+              <a:t>Rose</a:t>
+            </a:r>
+            <a:r>
+              <a:rPr lang="zh-CN" altLang="en-US" sz="2800" b="1" dirty="0" smtClean="0">
+                <a:solidFill>
+                  <a:srgbClr val="FFFFFF"/>
+                </a:solidFill>
+              </a:rPr>
+              <a:t>并制作</a:t>
+            </a:r>
+            <a:r>
+              <a:rPr lang="en-US" altLang="zh-CN" sz="2800" b="1" smtClean="0">
+                <a:solidFill>
+                  <a:srgbClr val="FFFFFF"/>
+                </a:solidFill>
+              </a:rPr>
+              <a:t>PPT</a:t>
+            </a:r>
+            <a:endParaRPr lang="en-US" altLang="zh-CN" sz="2800" b="1" dirty="0">
+              <a:solidFill>
+                <a:srgbClr val="FFFFFF"/>
+              </a:solidFill>
+            </a:endParaRPr>
+          </a:p>
+          <a:p>
+            <a:pPr eaLnBrk="1" hangingPunct="1">
+              <a:lnSpc>
+                <a:spcPct val="120000"/>
+              </a:lnSpc>
+            </a:pPr>
+            <a:endParaRPr lang="zh-CN" altLang="en-US" sz="2800" b="1" dirty="0">
+              <a:solidFill>
+                <a:srgbClr val="FFFFFF"/>
+              </a:solidFill>
+            </a:endParaRPr>
+          </a:p>
+        </p:txBody>
+      </p:sp>
+    </p:spTree>
+    <p:extLst>
+      <p:ext uri="{BB962C8B-B14F-4D97-AF65-F5344CB8AC3E}">
+        <p14:creationId xmlns:p14="http://schemas.microsoft.com/office/powerpoint/2010/main" val="1276621925"/>
+      </p:ext>
+    </p:extLst>
+  </p:cSld>
+  <p:clrMapOvr>
+    <a:masterClrMapping/>
+  </p:clrMapOvr>
+  <p:timing>
+    <p:tnLst>
+      <p:par>
+        <p:cTn id="1" dur="indefinite" restart="never" nodeType="tmRoot"/>
+      </p:par>
+    </p:tnLst>
+  </p:timing>
+</p:sld>
+</file>
+
+<file path=ppt/slides/slide17.xml><?xml version="1.0" encoding="utf-8"?>
 <p:sld xmlns:a="http://schemas.openxmlformats.org/drawingml/2006/main" xmlns:r="http://schemas.openxmlformats.org/officeDocument/2006/relationships" xmlns:p="http://schemas.openxmlformats.org/presentationml/2006/main">
   <p:cSld>
     <p:spTree>
@@ -12882,40 +13431,55 @@
               <a:t>详细安装步骤</a:t>
             </a:r>
             <a:r>
-              <a:rPr lang="en-US" altLang="zh-CN" sz="3600" dirty="0" smtClean="0">
-                <a:solidFill>
-                  <a:schemeClr val="bg1"/>
+              <a:rPr lang="en-US" altLang="zh-CN" sz="3600" i="1" u="sng" dirty="0" smtClean="0">
+                <a:solidFill>
+                  <a:schemeClr val="accent1">
+                    <a:lumMod val="60000"/>
+                    <a:lumOff val="40000"/>
+                  </a:schemeClr>
                 </a:solidFill>
               </a:rPr>
               <a:t>http</a:t>
             </a:r>
             <a:r>
-              <a:rPr lang="en-US" altLang="zh-CN" sz="3600" dirty="0">
-                <a:solidFill>
-                  <a:schemeClr val="bg1"/>
+              <a:rPr lang="en-US" altLang="zh-CN" sz="3600" i="1" u="sng" dirty="0">
+                <a:solidFill>
+                  <a:schemeClr val="accent1">
+                    <a:lumMod val="60000"/>
+                    <a:lumOff val="40000"/>
+                  </a:schemeClr>
                 </a:solidFill>
               </a:rPr>
               <a:t>://</a:t>
             </a:r>
             <a:r>
-              <a:rPr lang="en-US" altLang="zh-CN" sz="3600" dirty="0" err="1">
-                <a:solidFill>
-                  <a:schemeClr val="bg1"/>
+              <a:rPr lang="en-US" altLang="zh-CN" sz="3600" i="1" u="sng" dirty="0" err="1" smtClean="0">
+                <a:solidFill>
+                  <a:schemeClr val="accent1">
+                    <a:lumMod val="60000"/>
+                    <a:lumOff val="40000"/>
+                  </a:schemeClr>
                 </a:solidFill>
               </a:rPr>
               <a:t>blog.csdn.net</a:t>
             </a:r>
             <a:r>
-              <a:rPr lang="en-US" altLang="zh-CN" sz="3600" dirty="0">
-                <a:solidFill>
-                  <a:schemeClr val="bg1"/>
+              <a:rPr lang="en-US" altLang="zh-CN" sz="3600" i="1" u="sng" dirty="0" smtClean="0">
+                <a:solidFill>
+                  <a:schemeClr val="accent1">
+                    <a:lumMod val="60000"/>
+                    <a:lumOff val="40000"/>
+                  </a:schemeClr>
                 </a:solidFill>
               </a:rPr>
               <a:t>/xfz0330/article/details/39890867</a:t>
             </a:r>
-            <a:endParaRPr lang="zh-CN" altLang="en-US" sz="3600" dirty="0">
+            <a:endParaRPr lang="zh-CN" altLang="en-US" sz="3600" i="1" u="sng" dirty="0">
               <a:solidFill>
-                <a:schemeClr val="bg1"/>
+                <a:schemeClr val="accent1">
+                  <a:lumMod val="60000"/>
+                  <a:lumOff val="40000"/>
+                </a:schemeClr>
               </a:solidFill>
             </a:endParaRPr>
           </a:p>
@@ -13376,11 +13940,6 @@
               </a:rPr>
               <a:t>日志：用于查看错误信息和报告各个命令的结果</a:t>
             </a:r>
-            <a:endParaRPr lang="zh-CN" altLang="en-US" sz="2000" b="1" dirty="0">
-              <a:solidFill>
-                <a:srgbClr val="FFFFFF"/>
-              </a:solidFill>
-            </a:endParaRPr>
           </a:p>
         </p:txBody>
       </p:sp>
